--- a/app/uidemo/PopupContainerActivityDemo.pptx
+++ b/app/uidemo/PopupContainerActivityDemo.pptx
@@ -123,6 +123,9 @@
           </p14:sldIdLst>
         </p14:section>
       </p14:sectionLst>
+    </p:ext>
+    <p:ext uri="{EFAFB233-063F-42B5-8137-9DF3F51BA10A}">
+      <p15:sldGuideLst xmlns:p15="http://schemas.microsoft.com/office/powerpoint/2012/main"/>
     </p:ext>
   </p:extLst>
 </p:presentation>
@@ -3903,13 +3906,13 @@
   <p:clrMapOvr>
     <a:masterClrMapping/>
   </p:clrMapOvr>
-  <mc:AlternateContent xmlns:mc="http://schemas.openxmlformats.org/markup-compatibility/2006">
-    <mc:Choice xmlns:p159="http://schemas.microsoft.com/office/powerpoint/2015/09/main" Requires="p159">
+  <mc:AlternateContent xmlns:mc="http://schemas.openxmlformats.org/markup-compatibility/2006" xmlns:p159="http://schemas.microsoft.com/office/powerpoint/2015/09/main">
+    <mc:Choice Requires="p159">
       <p:transition xmlns:p14="http://schemas.microsoft.com/office/powerpoint/2010/main" p14:dur="400" advClick="0">
         <p159:morph option="byObject"/>
       </p:transition>
     </mc:Choice>
-    <mc:Fallback>
+    <mc:Fallback xmlns="">
       <p:transition advClick="0">
         <p:fade/>
       </p:transition>
@@ -4905,13 +4908,13 @@
   <p:clrMapOvr>
     <a:masterClrMapping/>
   </p:clrMapOvr>
-  <mc:AlternateContent xmlns:mc="http://schemas.openxmlformats.org/markup-compatibility/2006">
-    <mc:Choice xmlns:p159="http://schemas.microsoft.com/office/powerpoint/2015/09/main" Requires="p159">
+  <mc:AlternateContent xmlns:mc="http://schemas.openxmlformats.org/markup-compatibility/2006" xmlns:p159="http://schemas.microsoft.com/office/powerpoint/2015/09/main">
+    <mc:Choice Requires="p159">
       <p:transition xmlns:p14="http://schemas.microsoft.com/office/powerpoint/2010/main" p14:dur="250">
         <p159:morph option="byObject"/>
       </p:transition>
     </mc:Choice>
-    <mc:Fallback>
+    <mc:Fallback xmlns="">
       <p:transition>
         <p:fade/>
       </p:transition>
@@ -5744,13 +5747,13 @@
   <p:clrMapOvr>
     <a:masterClrMapping/>
   </p:clrMapOvr>
-  <mc:AlternateContent xmlns:mc="http://schemas.openxmlformats.org/markup-compatibility/2006">
-    <mc:Choice xmlns:p159="http://schemas.microsoft.com/office/powerpoint/2015/09/main" Requires="p159">
+  <mc:AlternateContent xmlns:mc="http://schemas.openxmlformats.org/markup-compatibility/2006" xmlns:p159="http://schemas.microsoft.com/office/powerpoint/2015/09/main">
+    <mc:Choice Requires="p159">
       <p:transition xmlns:p14="http://schemas.microsoft.com/office/powerpoint/2010/main" p14:dur="400" advClick="0">
         <p159:morph option="byObject"/>
       </p:transition>
     </mc:Choice>
-    <mc:Fallback>
+    <mc:Fallback xmlns="">
       <p:transition advClick="0">
         <p:fade/>
       </p:transition>
@@ -6639,13 +6642,13 @@
   <p:clrMapOvr>
     <a:masterClrMapping/>
   </p:clrMapOvr>
-  <mc:AlternateContent xmlns:mc="http://schemas.openxmlformats.org/markup-compatibility/2006">
-    <mc:Choice xmlns:p159="http://schemas.microsoft.com/office/powerpoint/2015/09/main" Requires="p159">
+  <mc:AlternateContent xmlns:mc="http://schemas.openxmlformats.org/markup-compatibility/2006" xmlns:p159="http://schemas.microsoft.com/office/powerpoint/2015/09/main">
+    <mc:Choice Requires="p159">
       <p:transition xmlns:p14="http://schemas.microsoft.com/office/powerpoint/2010/main" p14:dur="250" advClick="0">
         <p159:morph option="byObject"/>
       </p:transition>
     </mc:Choice>
-    <mc:Fallback>
+    <mc:Fallback xmlns="">
       <p:transition advClick="0">
         <p:fade/>
       </p:transition>
